--- a/powerpoint/Session1.pptx
+++ b/powerpoint/Session1.pptx
@@ -145,14 +145,6 @@
 </p:presentation>
 </file>
 
-<file path=ppt/revisionInfo.xml><?xml version="1.0" encoding="utf-8"?>
-<p1510:revInfo xmlns:a="http://schemas.openxmlformats.org/drawingml/2006/main" xmlns:r="http://schemas.openxmlformats.org/officeDocument/2006/relationships" xmlns:p1510="http://schemas.microsoft.com/office/powerpoint/2015/10/main">
-  <p1510:revLst>
-    <p1510:client id="{EBC3DFD4-8BF3-6842-9EBB-7D326FBFC1B9}" v="1" dt="2024-01-22T19:57:51.941"/>
-  </p1510:revLst>
-</p1510:revInfo>
-</file>
-
 <file path=ppt/changesInfos/changesInfo1.xml><?xml version="1.0" encoding="utf-8"?>
 <pc:chgInfo xmlns:a="http://schemas.openxmlformats.org/drawingml/2006/main" xmlns:r="http://schemas.openxmlformats.org/officeDocument/2006/relationships" xmlns:ac="http://schemas.microsoft.com/office/drawing/2013/main/command" xmlns:pc="http://schemas.microsoft.com/office/powerpoint/2013/main/command">
   <pc:docChgLst>
@@ -265,6 +257,45 @@
             <pc:docMk/>
             <pc:sldMk cId="3866619547" sldId="286"/>
             <ac:spMk id="232" creationId="{00000000-0000-0000-0000-000000000000}"/>
+          </ac:spMkLst>
+        </pc:spChg>
+      </pc:sldChg>
+    </pc:docChg>
+  </pc:docChgLst>
+  <pc:docChgLst>
+    <pc:chgData name="Srinivasa Rao" userId="a6b54366-f13d-4292-8bb4-f06c50909b1e" providerId="ADAL" clId="{F9932D7D-F0FB-9F4E-9E85-5ED213839E3C}"/>
+    <pc:docChg chg="modSld">
+      <pc:chgData name="Srinivasa Rao" userId="a6b54366-f13d-4292-8bb4-f06c50909b1e" providerId="ADAL" clId="{F9932D7D-F0FB-9F4E-9E85-5ED213839E3C}" dt="2024-02-03T21:08:59.333" v="11" actId="20577"/>
+      <pc:docMkLst>
+        <pc:docMk/>
+      </pc:docMkLst>
+      <pc:sldChg chg="modSp mod">
+        <pc:chgData name="Srinivasa Rao" userId="a6b54366-f13d-4292-8bb4-f06c50909b1e" providerId="ADAL" clId="{F9932D7D-F0FB-9F4E-9E85-5ED213839E3C}" dt="2024-02-03T21:08:52.053" v="2" actId="20577"/>
+        <pc:sldMkLst>
+          <pc:docMk/>
+          <pc:sldMk cId="0" sldId="256"/>
+        </pc:sldMkLst>
+        <pc:spChg chg="mod">
+          <ac:chgData name="Srinivasa Rao" userId="a6b54366-f13d-4292-8bb4-f06c50909b1e" providerId="ADAL" clId="{F9932D7D-F0FB-9F4E-9E85-5ED213839E3C}" dt="2024-02-03T21:08:52.053" v="2" actId="20577"/>
+          <ac:spMkLst>
+            <pc:docMk/>
+            <pc:sldMk cId="0" sldId="256"/>
+            <ac:spMk id="229" creationId="{00000000-0000-0000-0000-000000000000}"/>
+          </ac:spMkLst>
+        </pc:spChg>
+      </pc:sldChg>
+      <pc:sldChg chg="modSp mod">
+        <pc:chgData name="Srinivasa Rao" userId="a6b54366-f13d-4292-8bb4-f06c50909b1e" providerId="ADAL" clId="{F9932D7D-F0FB-9F4E-9E85-5ED213839E3C}" dt="2024-02-03T21:08:59.333" v="11" actId="20577"/>
+        <pc:sldMkLst>
+          <pc:docMk/>
+          <pc:sldMk cId="55516250" sldId="285"/>
+        </pc:sldMkLst>
+        <pc:spChg chg="mod">
+          <ac:chgData name="Srinivasa Rao" userId="a6b54366-f13d-4292-8bb4-f06c50909b1e" providerId="ADAL" clId="{F9932D7D-F0FB-9F4E-9E85-5ED213839E3C}" dt="2024-02-03T21:08:59.333" v="11" actId="20577"/>
+          <ac:spMkLst>
+            <pc:docMk/>
+            <pc:sldMk cId="55516250" sldId="285"/>
+            <ac:spMk id="229" creationId="{00000000-0000-0000-0000-000000000000}"/>
           </ac:spMkLst>
         </pc:spChg>
       </pc:sldChg>
@@ -20158,7 +20189,7 @@
                 <a:latin typeface="Calibri"/>
                 <a:ea typeface="DejaVu Sans"/>
               </a:rPr>
-              <a:t>Irina &amp; Rao</a:t>
+              <a:t>Bea &amp; Rao</a:t>
             </a:r>
             <a:endParaRPr lang="en-GB" sz="3200" b="0" strike="noStrike" spc="-1" dirty="0">
               <a:latin typeface="Arial"/>
@@ -30306,7 +30337,7 @@
                 <a:latin typeface="Calibri"/>
                 <a:ea typeface="DejaVu Sans"/>
               </a:rPr>
-              <a:t>Irina &amp; Rao</a:t>
+              <a:t>Bea &amp; Rao</a:t>
             </a:r>
             <a:endParaRPr lang="en-GB" sz="3200" b="0" strike="noStrike" spc="-1" dirty="0">
               <a:latin typeface="Arial"/>
@@ -30325,14 +30356,14 @@
               </a:tabLst>
             </a:pPr>
             <a:r>
-              <a:rPr lang="en-US" sz="3200" b="0" strike="noStrike" spc="-1" dirty="0" err="1">
+              <a:rPr lang="en-US" sz="3200" b="0" strike="noStrike" spc="-1">
                 <a:solidFill>
                   <a:srgbClr val="8B8B8B"/>
                 </a:solidFill>
                 <a:latin typeface="Calibri"/>
                 <a:ea typeface="DejaVu Sans"/>
               </a:rPr>
-              <a:t>Michaelmas</a:t>
+              <a:t>Hilary </a:t>
             </a:r>
             <a:r>
               <a:rPr lang="en-US" sz="3200" b="0" strike="noStrike" spc="-1" dirty="0">
@@ -30342,7 +30373,7 @@
                 <a:latin typeface="Calibri"/>
                 <a:ea typeface="DejaVu Sans"/>
               </a:rPr>
-              <a:t> 2023</a:t>
+              <a:t>2023</a:t>
             </a:r>
             <a:endParaRPr lang="en-GB" sz="3200" b="0" strike="noStrike" spc="-1" dirty="0">
               <a:latin typeface="Arial"/>

--- a/powerpoint/Session1.pptx
+++ b/powerpoint/Session1.pptx
@@ -265,7 +265,7 @@
   <pc:docChgLst>
     <pc:chgData name="Srinivasa Rao" userId="a6b54366-f13d-4292-8bb4-f06c50909b1e" providerId="ADAL" clId="{F9932D7D-F0FB-9F4E-9E85-5ED213839E3C}"/>
     <pc:docChg chg="modSld">
-      <pc:chgData name="Srinivasa Rao" userId="a6b54366-f13d-4292-8bb4-f06c50909b1e" providerId="ADAL" clId="{F9932D7D-F0FB-9F4E-9E85-5ED213839E3C}" dt="2024-02-03T21:08:59.333" v="11" actId="20577"/>
+      <pc:chgData name="Srinivasa Rao" userId="a6b54366-f13d-4292-8bb4-f06c50909b1e" providerId="ADAL" clId="{F9932D7D-F0FB-9F4E-9E85-5ED213839E3C}" dt="2024-02-04T21:27:54.527" v="13" actId="20577"/>
       <pc:docMkLst>
         <pc:docMk/>
       </pc:docMkLst>
@@ -285,13 +285,13 @@
         </pc:spChg>
       </pc:sldChg>
       <pc:sldChg chg="modSp mod">
-        <pc:chgData name="Srinivasa Rao" userId="a6b54366-f13d-4292-8bb4-f06c50909b1e" providerId="ADAL" clId="{F9932D7D-F0FB-9F4E-9E85-5ED213839E3C}" dt="2024-02-03T21:08:59.333" v="11" actId="20577"/>
+        <pc:chgData name="Srinivasa Rao" userId="a6b54366-f13d-4292-8bb4-f06c50909b1e" providerId="ADAL" clId="{F9932D7D-F0FB-9F4E-9E85-5ED213839E3C}" dt="2024-02-04T21:27:54.527" v="13" actId="20577"/>
         <pc:sldMkLst>
           <pc:docMk/>
           <pc:sldMk cId="55516250" sldId="285"/>
         </pc:sldMkLst>
         <pc:spChg chg="mod">
-          <ac:chgData name="Srinivasa Rao" userId="a6b54366-f13d-4292-8bb4-f06c50909b1e" providerId="ADAL" clId="{F9932D7D-F0FB-9F4E-9E85-5ED213839E3C}" dt="2024-02-03T21:08:59.333" v="11" actId="20577"/>
+          <ac:chgData name="Srinivasa Rao" userId="a6b54366-f13d-4292-8bb4-f06c50909b1e" providerId="ADAL" clId="{F9932D7D-F0FB-9F4E-9E85-5ED213839E3C}" dt="2024-02-04T21:27:54.527" v="13" actId="20577"/>
           <ac:spMkLst>
             <pc:docMk/>
             <pc:sldMk cId="55516250" sldId="285"/>
@@ -30363,17 +30363,7 @@
                 <a:latin typeface="Calibri"/>
                 <a:ea typeface="DejaVu Sans"/>
               </a:rPr>
-              <a:t>Hilary </a:t>
-            </a:r>
-            <a:r>
-              <a:rPr lang="en-US" sz="3200" b="0" strike="noStrike" spc="-1" dirty="0">
-                <a:solidFill>
-                  <a:srgbClr val="8B8B8B"/>
-                </a:solidFill>
-                <a:latin typeface="Calibri"/>
-                <a:ea typeface="DejaVu Sans"/>
-              </a:rPr>
-              <a:t>2023</a:t>
+              <a:t>Hilary 2024</a:t>
             </a:r>
             <a:endParaRPr lang="en-GB" sz="3200" b="0" strike="noStrike" spc="-1" dirty="0">
               <a:latin typeface="Arial"/>
